--- a/semester2 PPT/uge 8_js day2.pptx
+++ b/semester2 PPT/uge 8_js day2.pptx
@@ -379,7 +379,7 @@
           <a:p>
             <a:fld id="{52A87A73-31F0-48EC-A8E8-5D7B334567DC}" type="datetimeFigureOut">
               <a:rPr lang="en-CA" smtClean="0"/>
-              <a:t>2025-01-20</a:t>
+              <a:t>2025-01-29</a:t>
             </a:fld>
             <a:endParaRPr lang="en-CA"/>
           </a:p>
@@ -29169,7 +29169,7 @@
           <a:p>
             <a:r>
               <a:rPr lang="en-DK" dirty="0"/>
-              <a:t>exercise</a:t>
+              <a:t>Workshop del II og exercise</a:t>
             </a:r>
           </a:p>
         </p:txBody>
@@ -29195,6 +29195,9 @@
           <a:bodyPr/>
           <a:lstStyle/>
           <a:p>
+            <a:pPr marL="114300" indent="0">
+              <a:buNone/>
+            </a:pPr>
             <a:r>
               <a:rPr lang="en-DK" dirty="0"/>
               <a:t> </a:t>

--- a/semester2 PPT/uge 8_js day2.pptx
+++ b/semester2 PPT/uge 8_js day2.pptx
@@ -7,10 +7,10 @@
     <p:sldMasterId id="2147483674" r:id="rId3"/>
   </p:sldMasterIdLst>
   <p:notesMasterIdLst>
-    <p:notesMasterId r:id="rId22"/>
+    <p:notesMasterId r:id="rId27"/>
   </p:notesMasterIdLst>
   <p:handoutMasterIdLst>
-    <p:handoutMasterId r:id="rId23"/>
+    <p:handoutMasterId r:id="rId28"/>
   </p:handoutMasterIdLst>
   <p:sldIdLst>
     <p:sldId id="256" r:id="rId4"/>
@@ -30,7 +30,12 @@
     <p:sldId id="316" r:id="rId18"/>
     <p:sldId id="318" r:id="rId19"/>
     <p:sldId id="319" r:id="rId20"/>
-    <p:sldId id="362" r:id="rId21"/>
+    <p:sldId id="330" r:id="rId21"/>
+    <p:sldId id="331" r:id="rId22"/>
+    <p:sldId id="332" r:id="rId23"/>
+    <p:sldId id="320" r:id="rId24"/>
+    <p:sldId id="321" r:id="rId25"/>
+    <p:sldId id="362" r:id="rId26"/>
   </p:sldIdLst>
   <p:sldSz cx="9144000" cy="5143500" type="screen16x9"/>
   <p:notesSz cx="6858000" cy="9144000"/>
@@ -379,7 +384,7 @@
           <a:p>
             <a:fld id="{52A87A73-31F0-48EC-A8E8-5D7B334567DC}" type="datetimeFigureOut">
               <a:rPr lang="en-CA" smtClean="0"/>
-              <a:t>2025-01-29</a:t>
+              <a:t>2025-02-14</a:t>
             </a:fld>
             <a:endParaRPr lang="en-CA"/>
           </a:p>
@@ -29151,7 +29156,7 @@
           <p:cNvPr id="2" name="Title 1">
             <a:extLst>
               <a:ext uri="{FF2B5EF4-FFF2-40B4-BE49-F238E27FC236}">
-                <a16:creationId xmlns:a16="http://schemas.microsoft.com/office/drawing/2014/main" id="{3C952B65-79CC-1674-4ABE-3EED7FFA2996}"/>
+                <a16:creationId xmlns:a16="http://schemas.microsoft.com/office/drawing/2014/main" id="{3F01195E-E5B0-48E7-9B70-B2B11C432071}"/>
               </a:ext>
             </a:extLst>
           </p:cNvPr>
@@ -29168,8 +29173,8 @@
           <a:lstStyle/>
           <a:p>
             <a:r>
-              <a:rPr lang="en-DK" dirty="0"/>
-              <a:t>Workshop del II og exercise</a:t>
+              <a:rPr lang="en-CA" dirty="0"/>
+              <a:t>Functions</a:t>
             </a:r>
           </a:p>
         </p:txBody>
@@ -29179,7 +29184,7 @@
           <p:cNvPr id="3" name="Text Placeholder 2">
             <a:extLst>
               <a:ext uri="{FF2B5EF4-FFF2-40B4-BE49-F238E27FC236}">
-                <a16:creationId xmlns:a16="http://schemas.microsoft.com/office/drawing/2014/main" id="{3D261335-370B-0B25-22A3-ECA58B86C2A9}"/>
+                <a16:creationId xmlns:a16="http://schemas.microsoft.com/office/drawing/2014/main" id="{4B327BEF-1C34-4764-A969-7879DCF360D5}"/>
               </a:ext>
             </a:extLst>
           </p:cNvPr>
@@ -29199,18 +29204,74 @@
               <a:buNone/>
             </a:pPr>
             <a:r>
-              <a:rPr lang="en-DK" dirty="0"/>
-              <a:t> </a:t>
+              <a:rPr lang="en-US" sz="1800" b="1" dirty="0">
+                <a:solidFill>
+                  <a:srgbClr val="009A9A"/>
+                </a:solidFill>
+                <a:latin typeface="+mj-lt"/>
+              </a:rPr>
+              <a:t>Functions</a:t>
+            </a:r>
+            <a:r>
+              <a:rPr lang="en-US" sz="1800" dirty="0"/>
+              <a:t> are defined by using the reserved word </a:t>
+            </a:r>
+            <a:r>
+              <a:rPr lang="en-US" sz="1800" b="1" dirty="0"/>
+              <a:t>function</a:t>
+            </a:r>
+            <a:r>
+              <a:rPr lang="en-US" sz="1800" dirty="0"/>
+              <a:t> and then the function name and (optional) parameters. </a:t>
+            </a:r>
+          </a:p>
+          <a:p>
+            <a:pPr marL="114300" indent="0">
+              <a:buNone/>
+            </a:pPr>
+            <a:r>
+              <a:rPr lang="en-US" sz="1800" dirty="0"/>
+              <a:t>Functions do not require a return type, nor do the parameters require type specifications.</a:t>
             </a:r>
           </a:p>
         </p:txBody>
       </p:sp>
+    </p:spTree>
+    <p:extLst>
+      <p:ext uri="{BB962C8B-B14F-4D97-AF65-F5344CB8AC3E}">
+        <p14:creationId xmlns:p14="http://schemas.microsoft.com/office/powerpoint/2010/main" val="3152640866"/>
+      </p:ext>
+    </p:extLst>
+  </p:cSld>
+  <p:clrMapOvr>
+    <a:masterClrMapping/>
+  </p:clrMapOvr>
+</p:sld>
+</file>
+
+<file path=ppt/slides/slide19.xml><?xml version="1.0" encoding="utf-8"?>
+<p:sld xmlns:a="http://schemas.openxmlformats.org/drawingml/2006/main" xmlns:r="http://schemas.openxmlformats.org/officeDocument/2006/relationships" xmlns:p="http://schemas.openxmlformats.org/presentationml/2006/main">
+  <p:cSld>
+    <p:spTree>
+      <p:nvGrpSpPr>
+        <p:cNvPr id="1" name=""/>
+        <p:cNvGrpSpPr/>
+        <p:nvPr/>
+      </p:nvGrpSpPr>
+      <p:grpSpPr>
+        <a:xfrm>
+          <a:off x="0" y="0"/>
+          <a:ext cx="0" cy="0"/>
+          <a:chOff x="0" y="0"/>
+          <a:chExt cx="0" cy="0"/>
+        </a:xfrm>
+      </p:grpSpPr>
       <p:sp>
         <p:nvSpPr>
-          <p:cNvPr id="4" name="Text Placeholder 3">
+          <p:cNvPr id="2" name="Title 1">
             <a:extLst>
               <a:ext uri="{FF2B5EF4-FFF2-40B4-BE49-F238E27FC236}">
-                <a16:creationId xmlns:a16="http://schemas.microsoft.com/office/drawing/2014/main" id="{8E9E99C3-CEF8-E2EE-7BA2-95A242737017}"/>
+                <a16:creationId xmlns:a16="http://schemas.microsoft.com/office/drawing/2014/main" id="{1CAAF57E-FE9C-4D59-B34D-0B2717C69875}"/>
               </a:ext>
             </a:extLst>
           </p:cNvPr>
@@ -29218,7 +29279,7 @@
             <a:spLocks noGrp="1"/>
           </p:cNvSpPr>
           <p:nvPr>
-            <p:ph type="body" idx="2"/>
+            <p:ph type="title"/>
           </p:nvPr>
         </p:nvSpPr>
         <p:spPr/>
@@ -29226,14 +29287,190 @@
           <a:bodyPr/>
           <a:lstStyle/>
           <a:p>
-            <a:endParaRPr lang="en-DK"/>
+            <a:r>
+              <a:rPr lang="en-CA" dirty="0"/>
+              <a:t>Declaring and calling functions</a:t>
+            </a:r>
+          </a:p>
+        </p:txBody>
+      </p:sp>
+      <p:sp>
+        <p:nvSpPr>
+          <p:cNvPr id="3" name="Text Placeholder 2">
+            <a:extLst>
+              <a:ext uri="{FF2B5EF4-FFF2-40B4-BE49-F238E27FC236}">
+                <a16:creationId xmlns:a16="http://schemas.microsoft.com/office/drawing/2014/main" id="{C87C19D0-4FB1-4B30-841A-1D4121876676}"/>
+              </a:ext>
+            </a:extLst>
+          </p:cNvPr>
+          <p:cNvSpPr>
+            <a:spLocks noGrp="1"/>
+          </p:cNvSpPr>
+          <p:nvPr>
+            <p:ph type="body" idx="1"/>
+          </p:nvPr>
+        </p:nvSpPr>
+        <p:spPr/>
+        <p:txBody>
+          <a:bodyPr/>
+          <a:lstStyle/>
+          <a:p>
+            <a:pPr marL="114300" indent="0">
+              <a:buNone/>
+            </a:pPr>
+            <a:r>
+              <a:rPr lang="en-CA" sz="1800" b="0" i="0" u="none" strike="noStrike" baseline="0" dirty="0">
+                <a:latin typeface="+mj-lt"/>
+              </a:rPr>
+              <a:t>A function to calculate a subtotal </a:t>
+            </a:r>
+            <a:r>
+              <a:rPr lang="en-US" sz="1800" b="0" i="0" u="none" strike="noStrike" baseline="0" dirty="0">
+                <a:latin typeface="+mj-lt"/>
+              </a:rPr>
+              <a:t>as the price of a product multiplied by the quantity might be defined as follows:</a:t>
+            </a:r>
+          </a:p>
+          <a:p>
+            <a:pPr marL="571500" lvl="1" indent="0">
+              <a:buNone/>
+            </a:pPr>
+            <a:r>
+              <a:rPr lang="en-CA" sz="1800" b="1" i="0" u="none" strike="noStrike" baseline="0" dirty="0">
+                <a:latin typeface="Calibri" panose="020F0502020204030204" pitchFamily="34" charset="0"/>
+                <a:cs typeface="Calibri" panose="020F0502020204030204" pitchFamily="34" charset="0"/>
+              </a:rPr>
+              <a:t>function subtotal(</a:t>
+            </a:r>
+            <a:r>
+              <a:rPr lang="en-CA" sz="1800" b="1" i="0" u="none" strike="noStrike" baseline="0" dirty="0" err="1">
+                <a:latin typeface="Calibri" panose="020F0502020204030204" pitchFamily="34" charset="0"/>
+                <a:cs typeface="Calibri" panose="020F0502020204030204" pitchFamily="34" charset="0"/>
+              </a:rPr>
+              <a:t>price,quantity</a:t>
+            </a:r>
+            <a:r>
+              <a:rPr lang="en-CA" sz="1800" b="1" i="0" u="none" strike="noStrike" baseline="0" dirty="0">
+                <a:latin typeface="Calibri" panose="020F0502020204030204" pitchFamily="34" charset="0"/>
+                <a:cs typeface="Calibri" panose="020F0502020204030204" pitchFamily="34" charset="0"/>
+              </a:rPr>
+              <a:t>) {</a:t>
+            </a:r>
+          </a:p>
+          <a:p>
+            <a:pPr marL="571500" lvl="1" indent="0">
+              <a:buNone/>
+            </a:pPr>
+            <a:r>
+              <a:rPr lang="en-CA" sz="1800" b="1" i="0" u="none" strike="noStrike" baseline="0" dirty="0">
+                <a:latin typeface="Calibri" panose="020F0502020204030204" pitchFamily="34" charset="0"/>
+                <a:cs typeface="Calibri" panose="020F0502020204030204" pitchFamily="34" charset="0"/>
+              </a:rPr>
+              <a:t>	return price * quantity;</a:t>
+            </a:r>
+          </a:p>
+          <a:p>
+            <a:pPr marL="571500" lvl="1" indent="0">
+              <a:buNone/>
+            </a:pPr>
+            <a:r>
+              <a:rPr lang="en-CA" sz="1800" b="1" i="0" u="none" strike="noStrike" baseline="0" dirty="0">
+                <a:latin typeface="Calibri" panose="020F0502020204030204" pitchFamily="34" charset="0"/>
+                <a:cs typeface="Calibri" panose="020F0502020204030204" pitchFamily="34" charset="0"/>
+              </a:rPr>
+              <a:t>}</a:t>
+            </a:r>
+            <a:endParaRPr lang="en-CA" sz="1800" b="1" dirty="0">
+              <a:latin typeface="Calibri" panose="020F0502020204030204" pitchFamily="34" charset="0"/>
+              <a:cs typeface="Calibri" panose="020F0502020204030204" pitchFamily="34" charset="0"/>
+            </a:endParaRPr>
+          </a:p>
+          <a:p>
+            <a:pPr marL="114300" indent="0" algn="l">
+              <a:buNone/>
+            </a:pPr>
+            <a:r>
+              <a:rPr lang="en-US" sz="1800" b="0" i="0" u="none" strike="noStrike" baseline="0" dirty="0">
+                <a:solidFill>
+                  <a:srgbClr val="000000"/>
+                </a:solidFill>
+                <a:latin typeface="+mj-lt"/>
+              </a:rPr>
+              <a:t>The above is formally called a </a:t>
+            </a:r>
+            <a:r>
+              <a:rPr lang="en-US" sz="1800" b="1" i="0" u="none" strike="noStrike" baseline="0" dirty="0">
+                <a:solidFill>
+                  <a:srgbClr val="009A9A"/>
+                </a:solidFill>
+                <a:latin typeface="+mj-lt"/>
+              </a:rPr>
+              <a:t>function declaration</a:t>
+            </a:r>
+            <a:r>
+              <a:rPr lang="en-US" sz="1800" b="0" i="0" u="none" strike="noStrike" baseline="0" dirty="0">
+                <a:solidFill>
+                  <a:srgbClr val="000000"/>
+                </a:solidFill>
+                <a:latin typeface="+mj-lt"/>
+              </a:rPr>
+              <a:t>. Such a declared function can be called or </a:t>
+            </a:r>
+            <a:r>
+              <a:rPr lang="en-US" sz="1800" b="0" i="1" u="none" strike="noStrike" baseline="0" dirty="0">
+                <a:solidFill>
+                  <a:srgbClr val="000000"/>
+                </a:solidFill>
+                <a:latin typeface="+mj-lt"/>
+              </a:rPr>
+              <a:t>invoked </a:t>
+            </a:r>
+            <a:r>
+              <a:rPr lang="en-US" sz="1800" b="0" i="0" u="none" strike="noStrike" baseline="0" dirty="0">
+                <a:solidFill>
+                  <a:srgbClr val="000000"/>
+                </a:solidFill>
+                <a:latin typeface="+mj-lt"/>
+              </a:rPr>
+              <a:t>by using the </a:t>
+            </a:r>
+            <a:r>
+              <a:rPr lang="en-US" sz="1800" b="0" i="0" u="none" strike="noStrike" baseline="0" dirty="0">
+                <a:solidFill>
+                  <a:srgbClr val="FF0000"/>
+                </a:solidFill>
+                <a:latin typeface="+mj-lt"/>
+              </a:rPr>
+              <a:t>()</a:t>
+            </a:r>
+            <a:r>
+              <a:rPr lang="en-US" sz="1800" b="0" i="0" u="none" strike="noStrike" baseline="0" dirty="0">
+                <a:solidFill>
+                  <a:srgbClr val="000000"/>
+                </a:solidFill>
+                <a:latin typeface="+mj-lt"/>
+              </a:rPr>
+              <a:t> operator.</a:t>
+            </a:r>
+          </a:p>
+          <a:p>
+            <a:pPr marL="571500" lvl="1" indent="0">
+              <a:buNone/>
+            </a:pPr>
+            <a:r>
+              <a:rPr lang="en-CA" sz="1800" b="1" dirty="0">
+                <a:latin typeface="Calibri" panose="020F0502020204030204" pitchFamily="34" charset="0"/>
+                <a:cs typeface="Calibri" panose="020F0502020204030204" pitchFamily="34" charset="0"/>
+              </a:rPr>
+              <a:t>let result = subtotal(10,2);</a:t>
+            </a:r>
           </a:p>
         </p:txBody>
       </p:sp>
     </p:spTree>
     <p:extLst>
       <p:ext uri="{BB962C8B-B14F-4D97-AF65-F5344CB8AC3E}">
-        <p14:creationId xmlns:p14="http://schemas.microsoft.com/office/powerpoint/2010/main" val="491753947"/>
+        <p14:creationId xmlns:p14="http://schemas.microsoft.com/office/powerpoint/2010/main" val="481129186"/>
       </p:ext>
     </p:extLst>
   </p:cSld>
@@ -29442,6 +29679,1574 @@
     <p:extLst>
       <p:ext uri="{BB962C8B-B14F-4D97-AF65-F5344CB8AC3E}">
         <p14:creationId xmlns:p14="http://schemas.microsoft.com/office/powerpoint/2010/main" val="3986370004"/>
+      </p:ext>
+    </p:extLst>
+  </p:cSld>
+  <p:clrMapOvr>
+    <a:masterClrMapping/>
+  </p:clrMapOvr>
+</p:sld>
+</file>
+
+<file path=ppt/slides/slide20.xml><?xml version="1.0" encoding="utf-8"?>
+<p:sld xmlns:a="http://schemas.openxmlformats.org/drawingml/2006/main" xmlns:r="http://schemas.openxmlformats.org/officeDocument/2006/relationships" xmlns:p="http://schemas.openxmlformats.org/presentationml/2006/main">
+  <p:cSld>
+    <p:spTree>
+      <p:nvGrpSpPr>
+        <p:cNvPr id="1" name=""/>
+        <p:cNvGrpSpPr/>
+        <p:nvPr/>
+      </p:nvGrpSpPr>
+      <p:grpSpPr>
+        <a:xfrm>
+          <a:off x="0" y="0"/>
+          <a:ext cx="0" cy="0"/>
+          <a:chOff x="0" y="0"/>
+          <a:chExt cx="0" cy="0"/>
+        </a:xfrm>
+      </p:grpSpPr>
+      <p:sp>
+        <p:nvSpPr>
+          <p:cNvPr id="2" name="Title 1">
+            <a:extLst>
+              <a:ext uri="{FF2B5EF4-FFF2-40B4-BE49-F238E27FC236}">
+                <a16:creationId xmlns:a16="http://schemas.microsoft.com/office/drawing/2014/main" id="{37AC09DD-F244-49C3-B8CA-895DB3BBB839}"/>
+              </a:ext>
+            </a:extLst>
+          </p:cNvPr>
+          <p:cNvSpPr>
+            <a:spLocks noGrp="1"/>
+          </p:cNvSpPr>
+          <p:nvPr>
+            <p:ph type="title"/>
+          </p:nvPr>
+        </p:nvSpPr>
+        <p:spPr/>
+        <p:txBody>
+          <a:bodyPr/>
+          <a:lstStyle/>
+          <a:p>
+            <a:r>
+              <a:rPr lang="en-CA" dirty="0"/>
+              <a:t>Function expressions</a:t>
+            </a:r>
+          </a:p>
+        </p:txBody>
+      </p:sp>
+      <p:sp>
+        <p:nvSpPr>
+          <p:cNvPr id="3" name="Text Placeholder 2">
+            <a:extLst>
+              <a:ext uri="{FF2B5EF4-FFF2-40B4-BE49-F238E27FC236}">
+                <a16:creationId xmlns:a16="http://schemas.microsoft.com/office/drawing/2014/main" id="{FC90E4E0-8E74-40E7-A3C4-092B64756FE3}"/>
+              </a:ext>
+            </a:extLst>
+          </p:cNvPr>
+          <p:cNvSpPr>
+            <a:spLocks noGrp="1"/>
+          </p:cNvSpPr>
+          <p:nvPr>
+            <p:ph type="body" idx="1"/>
+          </p:nvPr>
+        </p:nvSpPr>
+        <p:spPr>
+          <a:xfrm>
+            <a:off x="457201" y="1081088"/>
+            <a:ext cx="3338944" cy="3532476"/>
+          </a:xfrm>
+        </p:spPr>
+        <p:txBody>
+          <a:bodyPr/>
+          <a:lstStyle/>
+          <a:p>
+            <a:pPr marL="114300" indent="0" algn="l">
+              <a:buNone/>
+            </a:pPr>
+            <a:r>
+              <a:rPr lang="en-US" b="0" i="0" u="none" strike="noStrike" baseline="0" dirty="0">
+                <a:solidFill>
+                  <a:srgbClr val="000000"/>
+                </a:solidFill>
+                <a:latin typeface="+mj-lt"/>
+              </a:rPr>
+              <a:t>The object nature of functions can be further seen in the next example, which creates a function using a </a:t>
+            </a:r>
+            <a:r>
+              <a:rPr lang="en-US" b="1" i="0" u="none" strike="noStrike" baseline="0" dirty="0">
+                <a:solidFill>
+                  <a:srgbClr val="009A9A"/>
+                </a:solidFill>
+                <a:latin typeface="+mj-lt"/>
+              </a:rPr>
+              <a:t>function expression</a:t>
+            </a:r>
+            <a:r>
+              <a:rPr lang="en-US" b="0" i="0" u="none" strike="noStrike" baseline="0" dirty="0">
+                <a:solidFill>
+                  <a:srgbClr val="000000"/>
+                </a:solidFill>
+                <a:latin typeface="+mj-lt"/>
+              </a:rPr>
+              <a:t>.</a:t>
+            </a:r>
+          </a:p>
+          <a:p>
+            <a:pPr marL="114300" indent="0" algn="l">
+              <a:buNone/>
+            </a:pPr>
+            <a:r>
+              <a:rPr lang="da-DK" dirty="0">
+                <a:solidFill>
+                  <a:srgbClr val="000000"/>
+                </a:solidFill>
+                <a:latin typeface="+mj-lt"/>
+              </a:rPr>
+              <a:t> </a:t>
+            </a:r>
+            <a:endParaRPr lang="en-CA" sz="1400" dirty="0">
+              <a:latin typeface="+mj-lt"/>
+            </a:endParaRPr>
+          </a:p>
+        </p:txBody>
+      </p:sp>
+      <p:sp>
+        <p:nvSpPr>
+          <p:cNvPr id="4" name="TextBox 3" descr="LISTING 4.2 Embedded styles example">
+            <a:extLst>
+              <a:ext uri="{FF2B5EF4-FFF2-40B4-BE49-F238E27FC236}">
+                <a16:creationId xmlns:a16="http://schemas.microsoft.com/office/drawing/2014/main" id="{210D9829-80CE-47F6-AE89-43594570E1AA}"/>
+              </a:ext>
+            </a:extLst>
+          </p:cNvPr>
+          <p:cNvSpPr txBox="1"/>
+          <p:nvPr/>
+        </p:nvSpPr>
+        <p:spPr>
+          <a:xfrm>
+            <a:off x="3796145" y="1081087"/>
+            <a:ext cx="4890656" cy="2981325"/>
+          </a:xfrm>
+          <a:prstGeom prst="rect">
+            <a:avLst/>
+          </a:prstGeom>
+          <a:solidFill>
+            <a:srgbClr val="E6F0F5"/>
+          </a:solidFill>
+        </p:spPr>
+        <p:txBody>
+          <a:bodyPr wrap="square" numCol="1" rtlCol="0">
+            <a:noAutofit/>
+          </a:bodyPr>
+          <a:lstStyle/>
+          <a:p>
+            <a:pPr algn="l"/>
+            <a:r>
+              <a:rPr lang="en-US" b="0" i="1" u="none" strike="noStrike" baseline="0" dirty="0">
+                <a:solidFill>
+                  <a:schemeClr val="tx1"/>
+                </a:solidFill>
+                <a:latin typeface="Calibri" panose="020F0502020204030204" pitchFamily="34" charset="0"/>
+                <a:cs typeface="Calibri" panose="020F0502020204030204" pitchFamily="34" charset="0"/>
+              </a:rPr>
+              <a:t>// defines a function using an anonymous function expression</a:t>
+            </a:r>
+          </a:p>
+          <a:p>
+            <a:pPr algn="l"/>
+            <a:r>
+              <a:rPr lang="en-CA" b="0" i="0" u="none" strike="noStrike" baseline="0" dirty="0">
+                <a:solidFill>
+                  <a:schemeClr val="tx1"/>
+                </a:solidFill>
+                <a:latin typeface="Calibri" panose="020F0502020204030204" pitchFamily="34" charset="0"/>
+                <a:cs typeface="Calibri" panose="020F0502020204030204" pitchFamily="34" charset="0"/>
+              </a:rPr>
+              <a:t>const </a:t>
+            </a:r>
+            <a:r>
+              <a:rPr lang="en-CA" b="0" i="0" u="none" strike="noStrike" baseline="0" dirty="0" err="1">
+                <a:solidFill>
+                  <a:srgbClr val="7030A0"/>
+                </a:solidFill>
+                <a:latin typeface="Calibri" panose="020F0502020204030204" pitchFamily="34" charset="0"/>
+                <a:cs typeface="Calibri" panose="020F0502020204030204" pitchFamily="34" charset="0"/>
+              </a:rPr>
+              <a:t>calculateSubtotal</a:t>
+            </a:r>
+            <a:r>
+              <a:rPr lang="en-CA" b="0" i="0" u="none" strike="noStrike" baseline="0" dirty="0">
+                <a:solidFill>
+                  <a:schemeClr val="tx1"/>
+                </a:solidFill>
+                <a:latin typeface="Calibri" panose="020F0502020204030204" pitchFamily="34" charset="0"/>
+                <a:cs typeface="Calibri" panose="020F0502020204030204" pitchFamily="34" charset="0"/>
+              </a:rPr>
+              <a:t> = function (</a:t>
+            </a:r>
+            <a:r>
+              <a:rPr lang="en-CA" b="0" i="0" u="none" strike="noStrike" baseline="0" dirty="0" err="1">
+                <a:solidFill>
+                  <a:schemeClr val="tx1"/>
+                </a:solidFill>
+                <a:latin typeface="Calibri" panose="020F0502020204030204" pitchFamily="34" charset="0"/>
+                <a:cs typeface="Calibri" panose="020F0502020204030204" pitchFamily="34" charset="0"/>
+              </a:rPr>
+              <a:t>price,quantity</a:t>
+            </a:r>
+            <a:r>
+              <a:rPr lang="en-CA" b="0" i="0" u="none" strike="noStrike" baseline="0" dirty="0">
+                <a:solidFill>
+                  <a:schemeClr val="tx1"/>
+                </a:solidFill>
+                <a:latin typeface="Calibri" panose="020F0502020204030204" pitchFamily="34" charset="0"/>
+                <a:cs typeface="Calibri" panose="020F0502020204030204" pitchFamily="34" charset="0"/>
+              </a:rPr>
+              <a:t>) {</a:t>
+            </a:r>
+          </a:p>
+          <a:p>
+            <a:pPr algn="l"/>
+            <a:r>
+              <a:rPr lang="en-CA" b="0" i="0" u="none" strike="noStrike" baseline="0" dirty="0">
+                <a:solidFill>
+                  <a:schemeClr val="tx1"/>
+                </a:solidFill>
+                <a:latin typeface="Calibri" panose="020F0502020204030204" pitchFamily="34" charset="0"/>
+                <a:cs typeface="Calibri" panose="020F0502020204030204" pitchFamily="34" charset="0"/>
+              </a:rPr>
+              <a:t>	return price * quantity;</a:t>
+            </a:r>
+          </a:p>
+          <a:p>
+            <a:pPr algn="l"/>
+            <a:r>
+              <a:rPr lang="en-CA" b="0" i="0" u="none" strike="noStrike" baseline="0" dirty="0">
+                <a:solidFill>
+                  <a:schemeClr val="tx1"/>
+                </a:solidFill>
+                <a:latin typeface="Calibri" panose="020F0502020204030204" pitchFamily="34" charset="0"/>
+                <a:cs typeface="Calibri" panose="020F0502020204030204" pitchFamily="34" charset="0"/>
+              </a:rPr>
+              <a:t>};</a:t>
+            </a:r>
+          </a:p>
+          <a:p>
+            <a:pPr algn="l"/>
+            <a:endParaRPr lang="en-CA" b="0" i="0" u="none" strike="noStrike" baseline="0" dirty="0">
+              <a:solidFill>
+                <a:schemeClr val="tx1"/>
+              </a:solidFill>
+              <a:latin typeface="Calibri" panose="020F0502020204030204" pitchFamily="34" charset="0"/>
+              <a:cs typeface="Calibri" panose="020F0502020204030204" pitchFamily="34" charset="0"/>
+            </a:endParaRPr>
+          </a:p>
+          <a:p>
+            <a:pPr algn="l"/>
+            <a:r>
+              <a:rPr lang="en-CA" b="0" i="1" u="none" strike="noStrike" baseline="0" dirty="0">
+                <a:solidFill>
+                  <a:schemeClr val="tx1"/>
+                </a:solidFill>
+                <a:latin typeface="Calibri" panose="020F0502020204030204" pitchFamily="34" charset="0"/>
+                <a:cs typeface="Calibri" panose="020F0502020204030204" pitchFamily="34" charset="0"/>
+              </a:rPr>
+              <a:t>// invokes the function</a:t>
+            </a:r>
+          </a:p>
+          <a:p>
+            <a:pPr algn="l"/>
+            <a:r>
+              <a:rPr lang="en-CA" b="0" i="0" u="none" strike="noStrike" baseline="0" dirty="0">
+                <a:solidFill>
+                  <a:schemeClr val="tx1"/>
+                </a:solidFill>
+                <a:latin typeface="Calibri" panose="020F0502020204030204" pitchFamily="34" charset="0"/>
+                <a:cs typeface="Calibri" panose="020F0502020204030204" pitchFamily="34" charset="0"/>
+              </a:rPr>
+              <a:t>let result = </a:t>
+            </a:r>
+            <a:r>
+              <a:rPr lang="en-CA" b="0" i="0" u="none" strike="noStrike" baseline="0" dirty="0" err="1">
+                <a:solidFill>
+                  <a:srgbClr val="7030A0"/>
+                </a:solidFill>
+                <a:latin typeface="Calibri" panose="020F0502020204030204" pitchFamily="34" charset="0"/>
+                <a:cs typeface="Calibri" panose="020F0502020204030204" pitchFamily="34" charset="0"/>
+              </a:rPr>
+              <a:t>calculateSubtota</a:t>
+            </a:r>
+            <a:r>
+              <a:rPr lang="en-CA" b="0" i="0" u="none" strike="noStrike" baseline="0" dirty="0" err="1">
+                <a:solidFill>
+                  <a:schemeClr val="tx1"/>
+                </a:solidFill>
+                <a:latin typeface="Calibri" panose="020F0502020204030204" pitchFamily="34" charset="0"/>
+                <a:cs typeface="Calibri" panose="020F0502020204030204" pitchFamily="34" charset="0"/>
+              </a:rPr>
+              <a:t>l</a:t>
+            </a:r>
+            <a:r>
+              <a:rPr lang="en-CA" b="0" i="0" u="none" strike="noStrike" baseline="0" dirty="0">
+                <a:solidFill>
+                  <a:schemeClr val="tx1"/>
+                </a:solidFill>
+                <a:latin typeface="Calibri" panose="020F0502020204030204" pitchFamily="34" charset="0"/>
+                <a:cs typeface="Calibri" panose="020F0502020204030204" pitchFamily="34" charset="0"/>
+              </a:rPr>
+              <a:t>(10,2);</a:t>
+            </a:r>
+          </a:p>
+          <a:p>
+            <a:pPr algn="l"/>
+            <a:endParaRPr lang="en-CA" b="0" i="1" u="none" strike="noStrike" baseline="0" dirty="0">
+              <a:solidFill>
+                <a:schemeClr val="tx1"/>
+              </a:solidFill>
+              <a:latin typeface="Calibri" panose="020F0502020204030204" pitchFamily="34" charset="0"/>
+              <a:cs typeface="Calibri" panose="020F0502020204030204" pitchFamily="34" charset="0"/>
+            </a:endParaRPr>
+          </a:p>
+          <a:p>
+            <a:pPr algn="l"/>
+            <a:r>
+              <a:rPr lang="en-CA" b="0" i="1" u="none" strike="noStrike" baseline="0" dirty="0">
+                <a:solidFill>
+                  <a:schemeClr val="tx1"/>
+                </a:solidFill>
+                <a:latin typeface="Calibri" panose="020F0502020204030204" pitchFamily="34" charset="0"/>
+                <a:cs typeface="Calibri" panose="020F0502020204030204" pitchFamily="34" charset="0"/>
+              </a:rPr>
+              <a:t>// define another function</a:t>
+            </a:r>
+          </a:p>
+          <a:p>
+            <a:pPr algn="l"/>
+            <a:r>
+              <a:rPr lang="en-US" b="0" i="0" u="none" strike="noStrike" baseline="0" dirty="0">
+                <a:solidFill>
+                  <a:schemeClr val="tx1"/>
+                </a:solidFill>
+                <a:latin typeface="Calibri" panose="020F0502020204030204" pitchFamily="34" charset="0"/>
+                <a:cs typeface="Calibri" panose="020F0502020204030204" pitchFamily="34" charset="0"/>
+              </a:rPr>
+              <a:t>const warn = function(msg) { alert(msg); };</a:t>
+            </a:r>
+          </a:p>
+          <a:p>
+            <a:pPr algn="l"/>
+            <a:endParaRPr lang="en-CA" b="0" i="1" u="none" strike="noStrike" baseline="0" dirty="0">
+              <a:solidFill>
+                <a:schemeClr val="tx1"/>
+              </a:solidFill>
+              <a:latin typeface="Calibri" panose="020F0502020204030204" pitchFamily="34" charset="0"/>
+              <a:cs typeface="Calibri" panose="020F0502020204030204" pitchFamily="34" charset="0"/>
+            </a:endParaRPr>
+          </a:p>
+          <a:p>
+            <a:pPr algn="l"/>
+            <a:r>
+              <a:rPr lang="en-CA" b="0" i="1" u="none" strike="noStrike" baseline="0" dirty="0">
+                <a:solidFill>
+                  <a:schemeClr val="tx1"/>
+                </a:solidFill>
+                <a:latin typeface="Calibri" panose="020F0502020204030204" pitchFamily="34" charset="0"/>
+                <a:cs typeface="Calibri" panose="020F0502020204030204" pitchFamily="34" charset="0"/>
+              </a:rPr>
+              <a:t>// now invoke that function</a:t>
+            </a:r>
+          </a:p>
+          <a:p>
+            <a:pPr algn="l"/>
+            <a:r>
+              <a:rPr lang="en-US" b="0" i="0" u="none" strike="noStrike" baseline="0" dirty="0">
+                <a:solidFill>
+                  <a:schemeClr val="tx1"/>
+                </a:solidFill>
+                <a:latin typeface="Calibri" panose="020F0502020204030204" pitchFamily="34" charset="0"/>
+                <a:cs typeface="Calibri" panose="020F0502020204030204" pitchFamily="34" charset="0"/>
+              </a:rPr>
+              <a:t>warn("This doesn't return anything");</a:t>
+            </a:r>
+            <a:endParaRPr lang="en-CA" sz="500" b="0" i="0" u="none" strike="noStrike" baseline="0" dirty="0">
+              <a:solidFill>
+                <a:schemeClr val="tx1"/>
+              </a:solidFill>
+              <a:latin typeface="Calibri" panose="020F0502020204030204" pitchFamily="34" charset="0"/>
+              <a:cs typeface="Calibri" panose="020F0502020204030204" pitchFamily="34" charset="0"/>
+            </a:endParaRPr>
+          </a:p>
+        </p:txBody>
+      </p:sp>
+      <p:sp>
+        <p:nvSpPr>
+          <p:cNvPr id="5" name="TextBox 4">
+            <a:extLst>
+              <a:ext uri="{FF2B5EF4-FFF2-40B4-BE49-F238E27FC236}">
+                <a16:creationId xmlns:a16="http://schemas.microsoft.com/office/drawing/2014/main" id="{C303AB96-E712-426B-897C-8B2CB331A36F}"/>
+              </a:ext>
+            </a:extLst>
+          </p:cNvPr>
+          <p:cNvSpPr txBox="1"/>
+          <p:nvPr/>
+        </p:nvSpPr>
+        <p:spPr>
+          <a:xfrm>
+            <a:off x="3796145" y="4159012"/>
+            <a:ext cx="4818929" cy="276185"/>
+          </a:xfrm>
+          <a:prstGeom prst="rect">
+            <a:avLst/>
+          </a:prstGeom>
+          <a:noFill/>
+        </p:spPr>
+        <p:txBody>
+          <a:bodyPr wrap="square" rtlCol="0">
+            <a:spAutoFit/>
+          </a:bodyPr>
+          <a:lstStyle/>
+          <a:p>
+            <a:r>
+              <a:rPr lang="en-US" sz="1200" b="1" i="0" u="none" strike="noStrike" baseline="0" dirty="0">
+                <a:solidFill>
+                  <a:srgbClr val="009A9A"/>
+                </a:solidFill>
+                <a:latin typeface="+mj-lt"/>
+              </a:rPr>
+              <a:t>LISTING 8.11 </a:t>
+            </a:r>
+            <a:r>
+              <a:rPr lang="en-US" sz="1200" b="0" i="0" u="none" strike="noStrike" baseline="0" dirty="0">
+                <a:solidFill>
+                  <a:srgbClr val="000000"/>
+                </a:solidFill>
+                <a:latin typeface="+mj-lt"/>
+              </a:rPr>
+              <a:t>Sample function expressions</a:t>
+            </a:r>
+            <a:endParaRPr lang="en-CA" sz="1200" dirty="0">
+              <a:latin typeface="+mj-lt"/>
+            </a:endParaRPr>
+          </a:p>
+        </p:txBody>
+      </p:sp>
+    </p:spTree>
+    <p:extLst>
+      <p:ext uri="{BB962C8B-B14F-4D97-AF65-F5344CB8AC3E}">
+        <p14:creationId xmlns:p14="http://schemas.microsoft.com/office/powerpoint/2010/main" val="577903673"/>
+      </p:ext>
+    </p:extLst>
+  </p:cSld>
+  <p:clrMapOvr>
+    <a:masterClrMapping/>
+  </p:clrMapOvr>
+</p:sld>
+</file>
+
+<file path=ppt/slides/slide21.xml><?xml version="1.0" encoding="utf-8"?>
+<p:sld xmlns:a="http://schemas.openxmlformats.org/drawingml/2006/main" xmlns:r="http://schemas.openxmlformats.org/officeDocument/2006/relationships" xmlns:p="http://schemas.openxmlformats.org/presentationml/2006/main">
+  <p:cSld>
+    <p:spTree>
+      <p:nvGrpSpPr>
+        <p:cNvPr id="1" name=""/>
+        <p:cNvGrpSpPr/>
+        <p:nvPr/>
+      </p:nvGrpSpPr>
+      <p:grpSpPr>
+        <a:xfrm>
+          <a:off x="0" y="0"/>
+          <a:ext cx="0" cy="0"/>
+          <a:chOff x="0" y="0"/>
+          <a:chExt cx="0" cy="0"/>
+        </a:xfrm>
+      </p:grpSpPr>
+      <p:sp>
+        <p:nvSpPr>
+          <p:cNvPr id="2" name="Title 1">
+            <a:extLst>
+              <a:ext uri="{FF2B5EF4-FFF2-40B4-BE49-F238E27FC236}">
+                <a16:creationId xmlns:a16="http://schemas.microsoft.com/office/drawing/2014/main" id="{9B535C9A-E8E3-457A-88CA-0170A105388F}"/>
+              </a:ext>
+            </a:extLst>
+          </p:cNvPr>
+          <p:cNvSpPr>
+            <a:spLocks noGrp="1"/>
+          </p:cNvSpPr>
+          <p:nvPr>
+            <p:ph type="title"/>
+          </p:nvPr>
+        </p:nvSpPr>
+        <p:spPr/>
+        <p:txBody>
+          <a:bodyPr/>
+          <a:lstStyle/>
+          <a:p>
+            <a:r>
+              <a:rPr lang="en-CA" dirty="0"/>
+              <a:t>Objects</a:t>
+            </a:r>
+          </a:p>
+        </p:txBody>
+      </p:sp>
+      <p:sp>
+        <p:nvSpPr>
+          <p:cNvPr id="3" name="Text Placeholder 2">
+            <a:extLst>
+              <a:ext uri="{FF2B5EF4-FFF2-40B4-BE49-F238E27FC236}">
+                <a16:creationId xmlns:a16="http://schemas.microsoft.com/office/drawing/2014/main" id="{63D3C225-A771-45AA-8A2D-F73C7C9C9AD0}"/>
+              </a:ext>
+            </a:extLst>
+          </p:cNvPr>
+          <p:cNvSpPr>
+            <a:spLocks noGrp="1"/>
+          </p:cNvSpPr>
+          <p:nvPr>
+            <p:ph type="body" idx="1"/>
+          </p:nvPr>
+        </p:nvSpPr>
+        <p:spPr/>
+        <p:txBody>
+          <a:bodyPr/>
+          <a:lstStyle/>
+          <a:p>
+            <a:pPr marL="114300" indent="0" algn="l">
+              <a:buNone/>
+            </a:pPr>
+            <a:r>
+              <a:rPr lang="en-CA" sz="1800" b="0" i="0" u="none" strike="noStrike" baseline="0" dirty="0">
+                <a:latin typeface="+mj-lt"/>
+              </a:rPr>
+              <a:t>We have already </a:t>
+            </a:r>
+            <a:r>
+              <a:rPr lang="en-US" sz="1800" b="0" i="0" u="none" strike="noStrike" baseline="0" dirty="0">
+                <a:latin typeface="+mj-lt"/>
+              </a:rPr>
+              <a:t>encountered a few of the built-in objects in JavaScript, namely, arrays along with the Math, Date, and document objects.</a:t>
+            </a:r>
+          </a:p>
+          <a:p>
+            <a:pPr marL="114300" indent="0" algn="l">
+              <a:buNone/>
+            </a:pPr>
+            <a:r>
+              <a:rPr lang="en-US" sz="1800" dirty="0">
+                <a:latin typeface="+mj-lt"/>
+              </a:rPr>
+              <a:t>In th</a:t>
+            </a:r>
+            <a:r>
+              <a:rPr lang="en-US" sz="1800" b="0" i="0" u="none" strike="noStrike" baseline="0" dirty="0">
+                <a:latin typeface="+mj-lt"/>
+              </a:rPr>
+              <a:t>is section, we will learn how to create our</a:t>
+            </a:r>
+            <a:r>
+              <a:rPr lang="en-US" sz="1800" dirty="0">
+                <a:latin typeface="+mj-lt"/>
+              </a:rPr>
+              <a:t> o</a:t>
+            </a:r>
+            <a:r>
+              <a:rPr lang="en-US" sz="1800" b="0" i="0" u="none" strike="noStrike" baseline="0" dirty="0">
+                <a:latin typeface="+mj-lt"/>
+              </a:rPr>
+              <a:t>wn objects and examine some of the unique features of objects within JavaScript.</a:t>
+            </a:r>
+          </a:p>
+          <a:p>
+            <a:pPr marL="114300" indent="0" algn="l">
+              <a:buNone/>
+            </a:pPr>
+            <a:r>
+              <a:rPr lang="en-US" sz="1800" b="0" i="0" u="none" strike="noStrike" baseline="0" dirty="0">
+                <a:solidFill>
+                  <a:srgbClr val="000000"/>
+                </a:solidFill>
+                <a:latin typeface="+mj-lt"/>
+              </a:rPr>
+              <a:t>In JavaScript, </a:t>
+            </a:r>
+            <a:r>
+              <a:rPr lang="en-US" sz="1800" b="1" i="0" u="none" strike="noStrike" baseline="0" dirty="0">
+                <a:solidFill>
+                  <a:srgbClr val="009A9A"/>
+                </a:solidFill>
+                <a:latin typeface="+mj-lt"/>
+              </a:rPr>
+              <a:t>objects </a:t>
+            </a:r>
+            <a:r>
+              <a:rPr lang="en-US" sz="1800" b="0" i="0" u="none" strike="noStrike" baseline="0" dirty="0">
+                <a:solidFill>
+                  <a:srgbClr val="000000"/>
+                </a:solidFill>
+                <a:latin typeface="+mj-lt"/>
+              </a:rPr>
+              <a:t>are a collection of named values (which are called </a:t>
+            </a:r>
+            <a:r>
+              <a:rPr lang="en-US" sz="1800" b="1" i="0" u="none" strike="noStrike" baseline="0" dirty="0">
+                <a:solidFill>
+                  <a:srgbClr val="009A9A"/>
+                </a:solidFill>
+                <a:latin typeface="+mj-lt"/>
+              </a:rPr>
+              <a:t>properties </a:t>
+            </a:r>
+            <a:r>
+              <a:rPr lang="en-CA" sz="1800" b="0" i="0" u="none" strike="noStrike" baseline="0" dirty="0">
+                <a:solidFill>
+                  <a:srgbClr val="000000"/>
+                </a:solidFill>
+                <a:latin typeface="+mj-lt"/>
+              </a:rPr>
+              <a:t>in JavaScript).</a:t>
+            </a:r>
+          </a:p>
+          <a:p>
+            <a:pPr marL="114300" indent="0" algn="l">
+              <a:buNone/>
+            </a:pPr>
+            <a:r>
+              <a:rPr lang="en-US" sz="1800" dirty="0">
+                <a:solidFill>
+                  <a:srgbClr val="000000"/>
+                </a:solidFill>
+                <a:latin typeface="+mj-lt"/>
+              </a:rPr>
+              <a:t>Unlike languages such as C++ or Java, objects in JavaScript are </a:t>
+            </a:r>
+            <a:r>
+              <a:rPr lang="en-US" sz="1800" i="1" dirty="0">
+                <a:solidFill>
+                  <a:srgbClr val="000000"/>
+                </a:solidFill>
+                <a:latin typeface="+mj-lt"/>
+              </a:rPr>
+              <a:t>not</a:t>
+            </a:r>
+            <a:r>
+              <a:rPr lang="en-US" sz="1800" dirty="0">
+                <a:solidFill>
+                  <a:srgbClr val="000000"/>
+                </a:solidFill>
+                <a:latin typeface="+mj-lt"/>
+              </a:rPr>
+              <a:t> created from classes. JavaScript is a prototype based language, in that new objects are created from already existing prototype objects.</a:t>
+            </a:r>
+            <a:endParaRPr lang="en-CA" sz="1800" dirty="0">
+              <a:solidFill>
+                <a:srgbClr val="000000"/>
+              </a:solidFill>
+              <a:latin typeface="+mj-lt"/>
+            </a:endParaRPr>
+          </a:p>
+        </p:txBody>
+      </p:sp>
+    </p:spTree>
+    <p:extLst>
+      <p:ext uri="{BB962C8B-B14F-4D97-AF65-F5344CB8AC3E}">
+        <p14:creationId xmlns:p14="http://schemas.microsoft.com/office/powerpoint/2010/main" val="3685030525"/>
+      </p:ext>
+    </p:extLst>
+  </p:cSld>
+  <p:clrMapOvr>
+    <a:masterClrMapping/>
+  </p:clrMapOvr>
+</p:sld>
+</file>
+
+<file path=ppt/slides/slide22.xml><?xml version="1.0" encoding="utf-8"?>
+<p:sld xmlns:a="http://schemas.openxmlformats.org/drawingml/2006/main" xmlns:r="http://schemas.openxmlformats.org/officeDocument/2006/relationships" xmlns:p="http://schemas.openxmlformats.org/presentationml/2006/main">
+  <p:cSld>
+    <p:spTree>
+      <p:nvGrpSpPr>
+        <p:cNvPr id="1" name=""/>
+        <p:cNvGrpSpPr/>
+        <p:nvPr/>
+      </p:nvGrpSpPr>
+      <p:grpSpPr>
+        <a:xfrm>
+          <a:off x="0" y="0"/>
+          <a:ext cx="0" cy="0"/>
+          <a:chOff x="0" y="0"/>
+          <a:chExt cx="0" cy="0"/>
+        </a:xfrm>
+      </p:grpSpPr>
+      <p:sp>
+        <p:nvSpPr>
+          <p:cNvPr id="2" name="Title 1">
+            <a:extLst>
+              <a:ext uri="{FF2B5EF4-FFF2-40B4-BE49-F238E27FC236}">
+                <a16:creationId xmlns:a16="http://schemas.microsoft.com/office/drawing/2014/main" id="{1DF01379-9333-4F7C-B9DD-71B65299C57D}"/>
+              </a:ext>
+            </a:extLst>
+          </p:cNvPr>
+          <p:cNvSpPr>
+            <a:spLocks noGrp="1"/>
+          </p:cNvSpPr>
+          <p:nvPr>
+            <p:ph type="title"/>
+          </p:nvPr>
+        </p:nvSpPr>
+        <p:spPr/>
+        <p:txBody>
+          <a:bodyPr/>
+          <a:lstStyle/>
+          <a:p>
+            <a:r>
+              <a:rPr lang="en-US" sz="2800" dirty="0"/>
+              <a:t>Object Creation Using Object Literal Notation</a:t>
+            </a:r>
+            <a:endParaRPr lang="en-CA" sz="2800" dirty="0"/>
+          </a:p>
+        </p:txBody>
+      </p:sp>
+      <p:sp>
+        <p:nvSpPr>
+          <p:cNvPr id="3" name="Text Placeholder 2">
+            <a:extLst>
+              <a:ext uri="{FF2B5EF4-FFF2-40B4-BE49-F238E27FC236}">
+                <a16:creationId xmlns:a16="http://schemas.microsoft.com/office/drawing/2014/main" id="{38F07E97-6655-4BB8-B3C8-1414A80C8B39}"/>
+              </a:ext>
+            </a:extLst>
+          </p:cNvPr>
+          <p:cNvSpPr>
+            <a:spLocks noGrp="1"/>
+          </p:cNvSpPr>
+          <p:nvPr>
+            <p:ph type="body" idx="1"/>
+          </p:nvPr>
+        </p:nvSpPr>
+        <p:spPr>
+          <a:xfrm>
+            <a:off x="457201" y="1081088"/>
+            <a:ext cx="4114800" cy="3532476"/>
+          </a:xfrm>
+        </p:spPr>
+        <p:txBody>
+          <a:bodyPr/>
+          <a:lstStyle/>
+          <a:p>
+            <a:pPr marL="114300" indent="0" algn="l">
+              <a:buNone/>
+            </a:pPr>
+            <a:r>
+              <a:rPr lang="en-US" sz="1800" b="0" i="0" u="none" strike="noStrike" baseline="0" dirty="0">
+                <a:solidFill>
+                  <a:srgbClr val="000000"/>
+                </a:solidFill>
+                <a:latin typeface="+mj-lt"/>
+              </a:rPr>
+              <a:t>The most common way is to use </a:t>
+            </a:r>
+            <a:r>
+              <a:rPr lang="en-US" sz="1800" b="1" i="0" u="none" strike="noStrike" baseline="0" dirty="0">
+                <a:solidFill>
+                  <a:srgbClr val="009A9A"/>
+                </a:solidFill>
+                <a:latin typeface="+mj-lt"/>
+              </a:rPr>
+              <a:t>object literal notation </a:t>
+            </a:r>
+            <a:r>
+              <a:rPr lang="en-US" sz="1800" b="0" i="0" u="none" strike="noStrike" baseline="0" dirty="0">
+                <a:solidFill>
+                  <a:srgbClr val="000000"/>
+                </a:solidFill>
+                <a:latin typeface="+mj-lt"/>
+              </a:rPr>
+              <a:t>(which we also saw earlier with arrays)</a:t>
+            </a:r>
+          </a:p>
+          <a:p>
+            <a:pPr marL="114300" indent="0" algn="l">
+              <a:buNone/>
+            </a:pPr>
+            <a:r>
+              <a:rPr lang="en-CA" sz="1800" b="0" i="0" u="none" strike="noStrike" baseline="0" dirty="0">
+                <a:solidFill>
+                  <a:srgbClr val="000000"/>
+                </a:solidFill>
+                <a:latin typeface="+mj-lt"/>
+              </a:rPr>
+              <a:t>An </a:t>
+            </a:r>
+            <a:r>
+              <a:rPr lang="en-US" sz="1800" b="0" i="0" u="none" strike="noStrike" baseline="0" dirty="0">
+                <a:solidFill>
+                  <a:srgbClr val="000000"/>
+                </a:solidFill>
+                <a:latin typeface="+mj-lt"/>
+              </a:rPr>
+              <a:t>object is represented by a list of key-value pairs with colons between the key and value, with commas separating </a:t>
+            </a:r>
+            <a:r>
+              <a:rPr lang="en-US" sz="1800" dirty="0">
+                <a:solidFill>
+                  <a:srgbClr val="000000"/>
+                </a:solidFill>
+                <a:latin typeface="+mj-lt"/>
+              </a:rPr>
+              <a:t>key-value pairs. </a:t>
+            </a:r>
+          </a:p>
+          <a:p>
+            <a:pPr marL="114300" indent="0" algn="l">
+              <a:buNone/>
+            </a:pPr>
+            <a:r>
+              <a:rPr lang="en-US" sz="1800" dirty="0">
+                <a:solidFill>
+                  <a:srgbClr val="000000"/>
+                </a:solidFill>
+                <a:latin typeface="+mj-lt"/>
+              </a:rPr>
+              <a:t>To reference this object’s properties, we can use either dot notation or square </a:t>
+            </a:r>
+            <a:r>
+              <a:rPr lang="en-CA" sz="1800" dirty="0">
+                <a:solidFill>
+                  <a:srgbClr val="000000"/>
+                </a:solidFill>
+                <a:latin typeface="+mj-lt"/>
+              </a:rPr>
+              <a:t>bracket notation.</a:t>
+            </a:r>
+            <a:endParaRPr lang="en-US" sz="1800" dirty="0">
+              <a:solidFill>
+                <a:srgbClr val="000000"/>
+              </a:solidFill>
+              <a:latin typeface="+mj-lt"/>
+            </a:endParaRPr>
+          </a:p>
+          <a:p>
+            <a:pPr marL="571500" lvl="1" indent="0">
+              <a:spcBef>
+                <a:spcPts val="100"/>
+              </a:spcBef>
+              <a:buNone/>
+            </a:pPr>
+            <a:endParaRPr lang="en-CA" sz="1200" dirty="0">
+              <a:latin typeface="+mj-lt"/>
+            </a:endParaRPr>
+          </a:p>
+        </p:txBody>
+      </p:sp>
+      <p:sp>
+        <p:nvSpPr>
+          <p:cNvPr id="4" name="Text Placeholder 2">
+            <a:extLst>
+              <a:ext uri="{FF2B5EF4-FFF2-40B4-BE49-F238E27FC236}">
+                <a16:creationId xmlns:a16="http://schemas.microsoft.com/office/drawing/2014/main" id="{3147DEA1-F8F7-458C-8A56-1D2EC2594484}"/>
+              </a:ext>
+            </a:extLst>
+          </p:cNvPr>
+          <p:cNvSpPr txBox="1">
+            <a:spLocks/>
+          </p:cNvSpPr>
+          <p:nvPr/>
+        </p:nvSpPr>
+        <p:spPr>
+          <a:xfrm>
+            <a:off x="4572000" y="1053812"/>
+            <a:ext cx="4114800" cy="3532476"/>
+          </a:xfrm>
+          <a:prstGeom prst="rect">
+            <a:avLst/>
+          </a:prstGeom>
+          <a:noFill/>
+          <a:ln>
+            <a:noFill/>
+          </a:ln>
+        </p:spPr>
+        <p:txBody>
+          <a:bodyPr spcFirstLastPara="1" wrap="square" lIns="91425" tIns="91425" rIns="91425" bIns="91425" anchor="t" anchorCtr="0">
+            <a:noAutofit/>
+          </a:bodyPr>
+          <a:lstStyle>
+            <a:defPPr marR="0" lvl="0" algn="l" rtl="0">
+              <a:lnSpc>
+                <a:spcPct val="100000"/>
+              </a:lnSpc>
+              <a:spcBef>
+                <a:spcPts val="0"/>
+              </a:spcBef>
+              <a:spcAft>
+                <a:spcPts val="0"/>
+              </a:spcAft>
+            </a:defPPr>
+            <a:lvl1pPr marL="457200" marR="0" lvl="0" indent="-342900" algn="l" rtl="0">
+              <a:lnSpc>
+                <a:spcPct val="100000"/>
+              </a:lnSpc>
+              <a:spcBef>
+                <a:spcPts val="1500"/>
+              </a:spcBef>
+              <a:spcAft>
+                <a:spcPts val="0"/>
+              </a:spcAft>
+              <a:buClr>
+                <a:srgbClr val="007FA3"/>
+              </a:buClr>
+              <a:buSzPts val="1800"/>
+              <a:buFont typeface="Arial"/>
+              <a:buChar char="•"/>
+              <a:defRPr sz="1600" b="0" i="0" u="none" strike="noStrike" cap="none">
+                <a:solidFill>
+                  <a:schemeClr val="dk1"/>
+                </a:solidFill>
+                <a:latin typeface="Arial"/>
+                <a:ea typeface="Arial"/>
+                <a:cs typeface="Arial"/>
+                <a:sym typeface="Arial"/>
+              </a:defRPr>
+            </a:lvl1pPr>
+            <a:lvl2pPr marL="914400" marR="0" lvl="1" indent="-342900" algn="l" rtl="0">
+              <a:lnSpc>
+                <a:spcPct val="100000"/>
+              </a:lnSpc>
+              <a:spcBef>
+                <a:spcPts val="600"/>
+              </a:spcBef>
+              <a:spcAft>
+                <a:spcPts val="0"/>
+              </a:spcAft>
+              <a:buClr>
+                <a:srgbClr val="007FA3"/>
+              </a:buClr>
+              <a:buSzPts val="1800"/>
+              <a:buFont typeface="Arial"/>
+              <a:buChar char="–"/>
+              <a:defRPr sz="1600" b="0" i="0" u="none" strike="noStrike" cap="none">
+                <a:solidFill>
+                  <a:schemeClr val="dk1"/>
+                </a:solidFill>
+                <a:latin typeface="Arial"/>
+                <a:ea typeface="Arial"/>
+                <a:cs typeface="Arial"/>
+                <a:sym typeface="Arial"/>
+              </a:defRPr>
+            </a:lvl2pPr>
+            <a:lvl3pPr marL="1371600" marR="0" lvl="2" indent="-342900" algn="l" rtl="0">
+              <a:lnSpc>
+                <a:spcPct val="100000"/>
+              </a:lnSpc>
+              <a:spcBef>
+                <a:spcPts val="600"/>
+              </a:spcBef>
+              <a:spcAft>
+                <a:spcPts val="0"/>
+              </a:spcAft>
+              <a:buClr>
+                <a:srgbClr val="007FA3"/>
+              </a:buClr>
+              <a:buSzPts val="1800"/>
+              <a:buFont typeface="Noto Sans Symbols"/>
+              <a:buChar char="▪"/>
+              <a:defRPr sz="1600" b="0" i="0" u="none" strike="noStrike" cap="none">
+                <a:solidFill>
+                  <a:schemeClr val="dk1"/>
+                </a:solidFill>
+                <a:latin typeface="Arial"/>
+                <a:ea typeface="Arial"/>
+                <a:cs typeface="Arial"/>
+                <a:sym typeface="Arial"/>
+              </a:defRPr>
+            </a:lvl3pPr>
+            <a:lvl4pPr marL="1828800" marR="0" lvl="3" indent="-342900" algn="l" rtl="0">
+              <a:lnSpc>
+                <a:spcPct val="100000"/>
+              </a:lnSpc>
+              <a:spcBef>
+                <a:spcPts val="600"/>
+              </a:spcBef>
+              <a:spcAft>
+                <a:spcPts val="0"/>
+              </a:spcAft>
+              <a:buClr>
+                <a:srgbClr val="007FA3"/>
+              </a:buClr>
+              <a:buSzPts val="1800"/>
+              <a:buFont typeface="Arial"/>
+              <a:buChar char="–"/>
+              <a:defRPr sz="1600" b="0" i="0" u="none" strike="noStrike" cap="none">
+                <a:solidFill>
+                  <a:schemeClr val="dk1"/>
+                </a:solidFill>
+                <a:latin typeface="Arial"/>
+                <a:ea typeface="Arial"/>
+                <a:cs typeface="Arial"/>
+                <a:sym typeface="Arial"/>
+              </a:defRPr>
+            </a:lvl4pPr>
+            <a:lvl5pPr marL="2286000" marR="0" lvl="4" indent="-342900" algn="l" rtl="0">
+              <a:lnSpc>
+                <a:spcPct val="100000"/>
+              </a:lnSpc>
+              <a:spcBef>
+                <a:spcPts val="600"/>
+              </a:spcBef>
+              <a:spcAft>
+                <a:spcPts val="0"/>
+              </a:spcAft>
+              <a:buClr>
+                <a:srgbClr val="007FA3"/>
+              </a:buClr>
+              <a:buSzPts val="1800"/>
+              <a:buFont typeface="Arial"/>
+              <a:buChar char="•"/>
+              <a:defRPr sz="1600" b="0" i="0" u="none" strike="noStrike" cap="none">
+                <a:solidFill>
+                  <a:schemeClr val="dk1"/>
+                </a:solidFill>
+                <a:latin typeface="Arial"/>
+                <a:ea typeface="Arial"/>
+                <a:cs typeface="Arial"/>
+                <a:sym typeface="Arial"/>
+              </a:defRPr>
+            </a:lvl5pPr>
+            <a:lvl6pPr marL="2743200" marR="0" lvl="5" indent="-342900" algn="l" rtl="0">
+              <a:lnSpc>
+                <a:spcPct val="100000"/>
+              </a:lnSpc>
+              <a:spcBef>
+                <a:spcPts val="300"/>
+              </a:spcBef>
+              <a:spcAft>
+                <a:spcPts val="0"/>
+              </a:spcAft>
+              <a:buClr>
+                <a:srgbClr val="007FA3"/>
+              </a:buClr>
+              <a:buSzPts val="1800"/>
+              <a:buFont typeface="Arial"/>
+              <a:buChar char="•"/>
+              <a:defRPr sz="1600" b="0" i="0" u="none" strike="noStrike" cap="none">
+                <a:solidFill>
+                  <a:schemeClr val="dk1"/>
+                </a:solidFill>
+                <a:latin typeface="Arial"/>
+                <a:ea typeface="Arial"/>
+                <a:cs typeface="Arial"/>
+                <a:sym typeface="Arial"/>
+              </a:defRPr>
+            </a:lvl6pPr>
+            <a:lvl7pPr marL="3200400" marR="0" lvl="6" indent="-342900" algn="l" rtl="0">
+              <a:lnSpc>
+                <a:spcPct val="100000"/>
+              </a:lnSpc>
+              <a:spcBef>
+                <a:spcPts val="300"/>
+              </a:spcBef>
+              <a:spcAft>
+                <a:spcPts val="0"/>
+              </a:spcAft>
+              <a:buClr>
+                <a:srgbClr val="007FA3"/>
+              </a:buClr>
+              <a:buSzPts val="1800"/>
+              <a:buFont typeface="Arial"/>
+              <a:buChar char="•"/>
+              <a:defRPr sz="1600" b="0" i="0" u="none" strike="noStrike" cap="none">
+                <a:solidFill>
+                  <a:schemeClr val="dk1"/>
+                </a:solidFill>
+                <a:latin typeface="Arial"/>
+                <a:ea typeface="Arial"/>
+                <a:cs typeface="Arial"/>
+                <a:sym typeface="Arial"/>
+              </a:defRPr>
+            </a:lvl7pPr>
+            <a:lvl8pPr marL="3657600" marR="0" lvl="7" indent="-342900" algn="l" rtl="0">
+              <a:lnSpc>
+                <a:spcPct val="100000"/>
+              </a:lnSpc>
+              <a:spcBef>
+                <a:spcPts val="300"/>
+              </a:spcBef>
+              <a:spcAft>
+                <a:spcPts val="0"/>
+              </a:spcAft>
+              <a:buClr>
+                <a:srgbClr val="007FA3"/>
+              </a:buClr>
+              <a:buSzPts val="1800"/>
+              <a:buFont typeface="Arial"/>
+              <a:buChar char="•"/>
+              <a:defRPr sz="1600" b="0" i="0" u="none" strike="noStrike" cap="none">
+                <a:solidFill>
+                  <a:schemeClr val="dk1"/>
+                </a:solidFill>
+                <a:latin typeface="Arial"/>
+                <a:ea typeface="Arial"/>
+                <a:cs typeface="Arial"/>
+                <a:sym typeface="Arial"/>
+              </a:defRPr>
+            </a:lvl8pPr>
+            <a:lvl9pPr marL="4114800" marR="0" lvl="8" indent="-342900" algn="l" rtl="0">
+              <a:lnSpc>
+                <a:spcPct val="100000"/>
+              </a:lnSpc>
+              <a:spcBef>
+                <a:spcPts val="300"/>
+              </a:spcBef>
+              <a:spcAft>
+                <a:spcPts val="0"/>
+              </a:spcAft>
+              <a:buClr>
+                <a:srgbClr val="007FA3"/>
+              </a:buClr>
+              <a:buSzPts val="1800"/>
+              <a:buFont typeface="Arial"/>
+              <a:buChar char="•"/>
+              <a:defRPr sz="1600" b="0" i="0" u="none" strike="noStrike" cap="none">
+                <a:solidFill>
+                  <a:schemeClr val="dk1"/>
+                </a:solidFill>
+                <a:latin typeface="Arial"/>
+                <a:ea typeface="Arial"/>
+                <a:cs typeface="Arial"/>
+                <a:sym typeface="Arial"/>
+              </a:defRPr>
+            </a:lvl9pPr>
+          </a:lstStyle>
+          <a:p>
+            <a:pPr marL="571500" lvl="1" indent="0">
+              <a:spcBef>
+                <a:spcPts val="100"/>
+              </a:spcBef>
+              <a:buFont typeface="Arial"/>
+              <a:buNone/>
+            </a:pPr>
+            <a:endParaRPr lang="en-CA" sz="1400" dirty="0">
+              <a:solidFill>
+                <a:srgbClr val="000000"/>
+              </a:solidFill>
+              <a:latin typeface="+mj-lt"/>
+            </a:endParaRPr>
+          </a:p>
+          <a:p>
+            <a:pPr marL="571500" lvl="1" indent="0">
+              <a:spcBef>
+                <a:spcPts val="100"/>
+              </a:spcBef>
+              <a:buFont typeface="Arial"/>
+              <a:buNone/>
+            </a:pPr>
+            <a:r>
+              <a:rPr lang="en-CA" sz="1400" dirty="0">
+                <a:solidFill>
+                  <a:srgbClr val="000000"/>
+                </a:solidFill>
+                <a:latin typeface="+mj-lt"/>
+              </a:rPr>
+              <a:t>const </a:t>
+            </a:r>
+            <a:r>
+              <a:rPr lang="en-CA" sz="1400" dirty="0" err="1">
+                <a:solidFill>
+                  <a:srgbClr val="000000"/>
+                </a:solidFill>
+                <a:latin typeface="+mj-lt"/>
+              </a:rPr>
+              <a:t>objName</a:t>
+            </a:r>
+            <a:r>
+              <a:rPr lang="en-CA" sz="1400" dirty="0">
+                <a:solidFill>
+                  <a:srgbClr val="000000"/>
+                </a:solidFill>
+                <a:latin typeface="+mj-lt"/>
+              </a:rPr>
+              <a:t> = </a:t>
+            </a:r>
+            <a:r>
+              <a:rPr lang="en-CA" sz="1400" dirty="0">
+                <a:solidFill>
+                  <a:srgbClr val="7030A0"/>
+                </a:solidFill>
+                <a:latin typeface="+mj-lt"/>
+              </a:rPr>
+              <a:t>{</a:t>
+            </a:r>
+          </a:p>
+          <a:p>
+            <a:pPr marL="571500" lvl="1" indent="0">
+              <a:spcBef>
+                <a:spcPts val="100"/>
+              </a:spcBef>
+              <a:buFont typeface="Arial"/>
+              <a:buNone/>
+            </a:pPr>
+            <a:r>
+              <a:rPr lang="en-CA" sz="1400" dirty="0">
+                <a:solidFill>
+                  <a:srgbClr val="000000"/>
+                </a:solidFill>
+                <a:latin typeface="+mj-lt"/>
+              </a:rPr>
+              <a:t>	name1: </a:t>
+            </a:r>
+            <a:r>
+              <a:rPr lang="en-CA" sz="1400" i="1" dirty="0">
+                <a:solidFill>
+                  <a:srgbClr val="000000"/>
+                </a:solidFill>
+                <a:latin typeface="+mj-lt"/>
+              </a:rPr>
+              <a:t>value1</a:t>
+            </a:r>
+            <a:r>
+              <a:rPr lang="en-CA" sz="1400" dirty="0">
+                <a:solidFill>
+                  <a:srgbClr val="000000"/>
+                </a:solidFill>
+                <a:latin typeface="+mj-lt"/>
+              </a:rPr>
+              <a:t>,</a:t>
+            </a:r>
+          </a:p>
+          <a:p>
+            <a:pPr marL="571500" lvl="1" indent="0">
+              <a:spcBef>
+                <a:spcPts val="100"/>
+              </a:spcBef>
+              <a:buFont typeface="Arial"/>
+              <a:buNone/>
+            </a:pPr>
+            <a:r>
+              <a:rPr lang="en-CA" sz="1400" dirty="0">
+                <a:solidFill>
+                  <a:srgbClr val="000000"/>
+                </a:solidFill>
+                <a:latin typeface="+mj-lt"/>
+              </a:rPr>
+              <a:t>	name2: </a:t>
+            </a:r>
+            <a:r>
+              <a:rPr lang="en-CA" sz="1400" i="1" dirty="0">
+                <a:solidFill>
+                  <a:srgbClr val="000000"/>
+                </a:solidFill>
+                <a:latin typeface="+mj-lt"/>
+              </a:rPr>
+              <a:t>value2</a:t>
+            </a:r>
+            <a:r>
+              <a:rPr lang="en-CA" sz="1400" dirty="0">
+                <a:solidFill>
+                  <a:srgbClr val="000000"/>
+                </a:solidFill>
+                <a:latin typeface="+mj-lt"/>
+              </a:rPr>
+              <a:t>,</a:t>
+            </a:r>
+          </a:p>
+          <a:p>
+            <a:pPr marL="571500" lvl="1" indent="0">
+              <a:spcBef>
+                <a:spcPts val="100"/>
+              </a:spcBef>
+              <a:buFont typeface="Arial"/>
+              <a:buNone/>
+            </a:pPr>
+            <a:r>
+              <a:rPr lang="en-CA" sz="1400" dirty="0">
+                <a:solidFill>
+                  <a:srgbClr val="00A6A6"/>
+                </a:solidFill>
+                <a:latin typeface="+mj-lt"/>
+              </a:rPr>
+              <a:t>	// ...</a:t>
+            </a:r>
+          </a:p>
+          <a:p>
+            <a:pPr marL="571500" lvl="1" indent="0">
+              <a:spcBef>
+                <a:spcPts val="100"/>
+              </a:spcBef>
+              <a:buFont typeface="Arial"/>
+              <a:buNone/>
+            </a:pPr>
+            <a:r>
+              <a:rPr lang="en-CA" sz="1400" dirty="0">
+                <a:solidFill>
+                  <a:srgbClr val="000000"/>
+                </a:solidFill>
+                <a:latin typeface="+mj-lt"/>
+              </a:rPr>
+              <a:t>	</a:t>
+            </a:r>
+            <a:r>
+              <a:rPr lang="en-CA" sz="1400" dirty="0" err="1">
+                <a:solidFill>
+                  <a:srgbClr val="000000"/>
+                </a:solidFill>
+                <a:latin typeface="+mj-lt"/>
+              </a:rPr>
+              <a:t>nameN</a:t>
+            </a:r>
+            <a:r>
+              <a:rPr lang="en-CA" sz="1400" dirty="0">
+                <a:solidFill>
+                  <a:srgbClr val="000000"/>
+                </a:solidFill>
+                <a:latin typeface="+mj-lt"/>
+              </a:rPr>
+              <a:t>: </a:t>
+            </a:r>
+            <a:r>
+              <a:rPr lang="en-CA" sz="1400" i="1" dirty="0" err="1">
+                <a:solidFill>
+                  <a:srgbClr val="000000"/>
+                </a:solidFill>
+                <a:latin typeface="+mj-lt"/>
+              </a:rPr>
+              <a:t>valueN</a:t>
+            </a:r>
+            <a:endParaRPr lang="en-CA" sz="1400" i="1" dirty="0">
+              <a:solidFill>
+                <a:srgbClr val="000000"/>
+              </a:solidFill>
+              <a:latin typeface="+mj-lt"/>
+            </a:endParaRPr>
+          </a:p>
+          <a:p>
+            <a:pPr marL="571500" lvl="1" indent="0">
+              <a:spcBef>
+                <a:spcPts val="100"/>
+              </a:spcBef>
+              <a:buFont typeface="Arial"/>
+              <a:buNone/>
+            </a:pPr>
+            <a:r>
+              <a:rPr lang="en-CA" sz="1400" dirty="0">
+                <a:solidFill>
+                  <a:srgbClr val="7030A0"/>
+                </a:solidFill>
+                <a:latin typeface="+mj-lt"/>
+              </a:rPr>
+              <a:t>}</a:t>
+            </a:r>
+            <a:r>
+              <a:rPr lang="en-CA" sz="1400" dirty="0">
+                <a:solidFill>
+                  <a:srgbClr val="000000"/>
+                </a:solidFill>
+                <a:latin typeface="+mj-lt"/>
+              </a:rPr>
+              <a:t>;</a:t>
+            </a:r>
+            <a:br>
+              <a:rPr lang="en-CA" sz="1400" dirty="0">
+                <a:solidFill>
+                  <a:srgbClr val="000000"/>
+                </a:solidFill>
+                <a:latin typeface="+mj-lt"/>
+              </a:rPr>
+            </a:br>
+            <a:br>
+              <a:rPr lang="en-CA" sz="1400" dirty="0">
+                <a:solidFill>
+                  <a:srgbClr val="000000"/>
+                </a:solidFill>
+                <a:latin typeface="+mj-lt"/>
+              </a:rPr>
+            </a:br>
+            <a:endParaRPr lang="en-CA" sz="1400" dirty="0">
+              <a:solidFill>
+                <a:srgbClr val="000000"/>
+              </a:solidFill>
+              <a:latin typeface="+mj-lt"/>
+            </a:endParaRPr>
+          </a:p>
+          <a:p>
+            <a:pPr marL="571500" lvl="1" indent="0">
+              <a:spcBef>
+                <a:spcPts val="100"/>
+              </a:spcBef>
+              <a:buFont typeface="Arial"/>
+              <a:buNone/>
+            </a:pPr>
+            <a:r>
+              <a:rPr lang="en-CA" sz="1400" dirty="0">
+                <a:solidFill>
+                  <a:srgbClr val="000000"/>
+                </a:solidFill>
+                <a:latin typeface="+mj-lt"/>
+              </a:rPr>
+              <a:t>objName</a:t>
+            </a:r>
+            <a:r>
+              <a:rPr lang="en-CA" sz="6000" dirty="0">
+                <a:solidFill>
+                  <a:schemeClr val="tx2"/>
+                </a:solidFill>
+                <a:latin typeface="+mj-lt"/>
+              </a:rPr>
+              <a:t>.</a:t>
+            </a:r>
+            <a:r>
+              <a:rPr lang="en-CA" sz="1400" dirty="0">
+                <a:solidFill>
+                  <a:srgbClr val="000000"/>
+                </a:solidFill>
+                <a:latin typeface="+mj-lt"/>
+              </a:rPr>
+              <a:t>name1</a:t>
+            </a:r>
+          </a:p>
+          <a:p>
+            <a:pPr marL="571500" lvl="1" indent="0">
+              <a:spcBef>
+                <a:spcPts val="100"/>
+              </a:spcBef>
+              <a:buFont typeface="Arial"/>
+              <a:buNone/>
+            </a:pPr>
+            <a:r>
+              <a:rPr lang="en-CA" sz="1400" dirty="0" err="1">
+                <a:solidFill>
+                  <a:srgbClr val="000000"/>
+                </a:solidFill>
+                <a:latin typeface="+mj-lt"/>
+              </a:rPr>
+              <a:t>objName</a:t>
+            </a:r>
+            <a:r>
+              <a:rPr lang="en-CA" sz="1400" dirty="0">
+                <a:solidFill>
+                  <a:srgbClr val="000000"/>
+                </a:solidFill>
+                <a:latin typeface="+mj-lt"/>
+              </a:rPr>
+              <a:t>["name1"]</a:t>
+            </a:r>
+            <a:endParaRPr lang="en-CA" sz="1200" dirty="0">
+              <a:latin typeface="+mj-lt"/>
+            </a:endParaRPr>
+          </a:p>
+        </p:txBody>
+      </p:sp>
+    </p:spTree>
+    <p:extLst>
+      <p:ext uri="{BB962C8B-B14F-4D97-AF65-F5344CB8AC3E}">
+        <p14:creationId xmlns:p14="http://schemas.microsoft.com/office/powerpoint/2010/main" val="3574172069"/>
+      </p:ext>
+    </p:extLst>
+  </p:cSld>
+  <p:clrMapOvr>
+    <a:masterClrMapping/>
+  </p:clrMapOvr>
+</p:sld>
+</file>
+
+<file path=ppt/slides/slide23.xml><?xml version="1.0" encoding="utf-8"?>
+<p:sld xmlns:a="http://schemas.openxmlformats.org/drawingml/2006/main" xmlns:r="http://schemas.openxmlformats.org/officeDocument/2006/relationships" xmlns:p="http://schemas.openxmlformats.org/presentationml/2006/main">
+  <p:cSld>
+    <p:spTree>
+      <p:nvGrpSpPr>
+        <p:cNvPr id="1" name=""/>
+        <p:cNvGrpSpPr/>
+        <p:nvPr/>
+      </p:nvGrpSpPr>
+      <p:grpSpPr>
+        <a:xfrm>
+          <a:off x="0" y="0"/>
+          <a:ext cx="0" cy="0"/>
+          <a:chOff x="0" y="0"/>
+          <a:chExt cx="0" cy="0"/>
+        </a:xfrm>
+      </p:grpSpPr>
+      <p:sp>
+        <p:nvSpPr>
+          <p:cNvPr id="2" name="Title 1">
+            <a:extLst>
+              <a:ext uri="{FF2B5EF4-FFF2-40B4-BE49-F238E27FC236}">
+                <a16:creationId xmlns:a16="http://schemas.microsoft.com/office/drawing/2014/main" id="{3C952B65-79CC-1674-4ABE-3EED7FFA2996}"/>
+              </a:ext>
+            </a:extLst>
+          </p:cNvPr>
+          <p:cNvSpPr>
+            <a:spLocks noGrp="1"/>
+          </p:cNvSpPr>
+          <p:nvPr>
+            <p:ph type="title"/>
+          </p:nvPr>
+        </p:nvSpPr>
+        <p:spPr/>
+        <p:txBody>
+          <a:bodyPr/>
+          <a:lstStyle/>
+          <a:p>
+            <a:r>
+              <a:rPr lang="en-DK" dirty="0"/>
+              <a:t>Workshop del II og exercise</a:t>
+            </a:r>
+          </a:p>
+        </p:txBody>
+      </p:sp>
+      <p:sp>
+        <p:nvSpPr>
+          <p:cNvPr id="3" name="Text Placeholder 2">
+            <a:extLst>
+              <a:ext uri="{FF2B5EF4-FFF2-40B4-BE49-F238E27FC236}">
+                <a16:creationId xmlns:a16="http://schemas.microsoft.com/office/drawing/2014/main" id="{3D261335-370B-0B25-22A3-ECA58B86C2A9}"/>
+              </a:ext>
+            </a:extLst>
+          </p:cNvPr>
+          <p:cNvSpPr>
+            <a:spLocks noGrp="1"/>
+          </p:cNvSpPr>
+          <p:nvPr>
+            <p:ph type="body" idx="1"/>
+          </p:nvPr>
+        </p:nvSpPr>
+        <p:spPr/>
+        <p:txBody>
+          <a:bodyPr/>
+          <a:lstStyle/>
+          <a:p>
+            <a:pPr marL="114300" indent="0">
+              <a:buNone/>
+            </a:pPr>
+            <a:r>
+              <a:rPr lang="en-DK" dirty="0"/>
+              <a:t> </a:t>
+            </a:r>
+          </a:p>
+        </p:txBody>
+      </p:sp>
+      <p:sp>
+        <p:nvSpPr>
+          <p:cNvPr id="4" name="Text Placeholder 3">
+            <a:extLst>
+              <a:ext uri="{FF2B5EF4-FFF2-40B4-BE49-F238E27FC236}">
+                <a16:creationId xmlns:a16="http://schemas.microsoft.com/office/drawing/2014/main" id="{8E9E99C3-CEF8-E2EE-7BA2-95A242737017}"/>
+              </a:ext>
+            </a:extLst>
+          </p:cNvPr>
+          <p:cNvSpPr>
+            <a:spLocks noGrp="1"/>
+          </p:cNvSpPr>
+          <p:nvPr>
+            <p:ph type="body" idx="2"/>
+          </p:nvPr>
+        </p:nvSpPr>
+        <p:spPr/>
+        <p:txBody>
+          <a:bodyPr/>
+          <a:lstStyle/>
+          <a:p>
+            <a:endParaRPr lang="en-DK"/>
+          </a:p>
+        </p:txBody>
+      </p:sp>
+    </p:spTree>
+    <p:extLst>
+      <p:ext uri="{BB962C8B-B14F-4D97-AF65-F5344CB8AC3E}">
+        <p14:creationId xmlns:p14="http://schemas.microsoft.com/office/powerpoint/2010/main" val="491753947"/>
       </p:ext>
     </p:extLst>
   </p:cSld>
